--- a/medicine/docs/研究文档/分子对接论文/网络药理学半自动化系统_修改1.pptx
+++ b/medicine/docs/研究文档/分子对接论文/网络药理学半自动化系统_修改1.pptx
@@ -210,7 +210,7 @@
           <a:p>
             <a:fld id="{8FB178A0-D90D-4F9B-B698-9F31D83AFB14}" type="datetimeFigureOut">
               <a:rPr lang="zh-CN" altLang="en-US" smtClean="0"/>
-              <a:t>18/12/2</a:t>
+              <a:t>2018/12/12</a:t>
             </a:fld>
             <a:endParaRPr lang="zh-CN" altLang="en-US"/>
           </a:p>
@@ -821,11 +821,7 @@
           <a:p>
             <a:r>
               <a:rPr lang="zh-CN" altLang="en-US" dirty="0" smtClean="0"/>
-              <a:t>这里</a:t>
-            </a:r>
-            <a:r>
-              <a:rPr lang="zh-CN" altLang="en-US" dirty="0" smtClean="0"/>
-              <a:t>需要解释为什么使用</a:t>
+              <a:t>这里需要解释为什么使用</a:t>
             </a:r>
             <a:r>
               <a:rPr lang="en-US" altLang="zh-CN" dirty="0" smtClean="0"/>
@@ -1953,7 +1949,7 @@
           <a:p>
             <a:fld id="{108E90B9-B3CD-4945-BCB0-C3FF094BCE5E}" type="datetimeFigureOut">
               <a:rPr lang="zh-CN" altLang="en-US" smtClean="0"/>
-              <a:t>18/12/2</a:t>
+              <a:t>2018/12/12</a:t>
             </a:fld>
             <a:endParaRPr lang="zh-CN" altLang="en-US"/>
           </a:p>
@@ -2204,7 +2200,7 @@
           <a:p>
             <a:fld id="{108E90B9-B3CD-4945-BCB0-C3FF094BCE5E}" type="datetimeFigureOut">
               <a:rPr lang="zh-CN" altLang="en-US" smtClean="0"/>
-              <a:t>18/12/2</a:t>
+              <a:t>2018/12/12</a:t>
             </a:fld>
             <a:endParaRPr lang="zh-CN" altLang="en-US"/>
           </a:p>
@@ -2518,7 +2514,7 @@
           <a:p>
             <a:fld id="{108E90B9-B3CD-4945-BCB0-C3FF094BCE5E}" type="datetimeFigureOut">
               <a:rPr lang="zh-CN" altLang="en-US" smtClean="0"/>
-              <a:t>18/12/2</a:t>
+              <a:t>2018/12/12</a:t>
             </a:fld>
             <a:endParaRPr lang="zh-CN" altLang="en-US"/>
           </a:p>
@@ -2859,7 +2855,7 @@
           <a:p>
             <a:fld id="{108E90B9-B3CD-4945-BCB0-C3FF094BCE5E}" type="datetimeFigureOut">
               <a:rPr lang="zh-CN" altLang="en-US" smtClean="0"/>
-              <a:t>18/12/2</a:t>
+              <a:t>2018/12/12</a:t>
             </a:fld>
             <a:endParaRPr lang="zh-CN" altLang="en-US"/>
           </a:p>
@@ -3173,7 +3169,7 @@
           <a:p>
             <a:fld id="{108E90B9-B3CD-4945-BCB0-C3FF094BCE5E}" type="datetimeFigureOut">
               <a:rPr lang="zh-CN" altLang="en-US" smtClean="0"/>
-              <a:t>18/12/2</a:t>
+              <a:t>2018/12/12</a:t>
             </a:fld>
             <a:endParaRPr lang="zh-CN" altLang="en-US"/>
           </a:p>
@@ -3566,7 +3562,7 @@
           <a:p>
             <a:fld id="{108E90B9-B3CD-4945-BCB0-C3FF094BCE5E}" type="datetimeFigureOut">
               <a:rPr lang="zh-CN" altLang="en-US" smtClean="0"/>
-              <a:t>18/12/2</a:t>
+              <a:t>2018/12/12</a:t>
             </a:fld>
             <a:endParaRPr lang="zh-CN" altLang="en-US"/>
           </a:p>
@@ -3736,7 +3732,7 @@
           <a:p>
             <a:fld id="{108E90B9-B3CD-4945-BCB0-C3FF094BCE5E}" type="datetimeFigureOut">
               <a:rPr lang="zh-CN" altLang="en-US" smtClean="0"/>
-              <a:t>18/12/2</a:t>
+              <a:t>2018/12/12</a:t>
             </a:fld>
             <a:endParaRPr lang="zh-CN" altLang="en-US"/>
           </a:p>
@@ -3916,7 +3912,7 @@
           <a:p>
             <a:fld id="{108E90B9-B3CD-4945-BCB0-C3FF094BCE5E}" type="datetimeFigureOut">
               <a:rPr lang="zh-CN" altLang="en-US" smtClean="0"/>
-              <a:t>18/12/2</a:t>
+              <a:t>2018/12/12</a:t>
             </a:fld>
             <a:endParaRPr lang="zh-CN" altLang="en-US"/>
           </a:p>
@@ -4092,7 +4088,7 @@
           <a:p>
             <a:fld id="{108E90B9-B3CD-4945-BCB0-C3FF094BCE5E}" type="datetimeFigureOut">
               <a:rPr lang="zh-CN" altLang="en-US" smtClean="0"/>
-              <a:t>18/12/2</a:t>
+              <a:t>2018/12/12</a:t>
             </a:fld>
             <a:endParaRPr lang="zh-CN" altLang="en-US"/>
           </a:p>
@@ -4339,7 +4335,7 @@
           <a:p>
             <a:fld id="{108E90B9-B3CD-4945-BCB0-C3FF094BCE5E}" type="datetimeFigureOut">
               <a:rPr lang="zh-CN" altLang="en-US" smtClean="0"/>
-              <a:t>18/12/2</a:t>
+              <a:t>2018/12/12</a:t>
             </a:fld>
             <a:endParaRPr lang="zh-CN" altLang="en-US"/>
           </a:p>
@@ -4571,7 +4567,7 @@
           <a:p>
             <a:fld id="{108E90B9-B3CD-4945-BCB0-C3FF094BCE5E}" type="datetimeFigureOut">
               <a:rPr lang="zh-CN" altLang="en-US" smtClean="0"/>
-              <a:t>18/12/2</a:t>
+              <a:t>2018/12/12</a:t>
             </a:fld>
             <a:endParaRPr lang="zh-CN" altLang="en-US"/>
           </a:p>
@@ -4945,7 +4941,7 @@
           <a:p>
             <a:fld id="{108E90B9-B3CD-4945-BCB0-C3FF094BCE5E}" type="datetimeFigureOut">
               <a:rPr lang="zh-CN" altLang="en-US" smtClean="0"/>
-              <a:t>18/12/2</a:t>
+              <a:t>2018/12/12</a:t>
             </a:fld>
             <a:endParaRPr lang="zh-CN" altLang="en-US"/>
           </a:p>
@@ -5068,7 +5064,7 @@
           <a:p>
             <a:fld id="{108E90B9-B3CD-4945-BCB0-C3FF094BCE5E}" type="datetimeFigureOut">
               <a:rPr lang="zh-CN" altLang="en-US" smtClean="0"/>
-              <a:t>18/12/2</a:t>
+              <a:t>2018/12/12</a:t>
             </a:fld>
             <a:endParaRPr lang="zh-CN" altLang="en-US"/>
           </a:p>
@@ -5163,7 +5159,7 @@
           <a:p>
             <a:fld id="{108E90B9-B3CD-4945-BCB0-C3FF094BCE5E}" type="datetimeFigureOut">
               <a:rPr lang="zh-CN" altLang="en-US" smtClean="0"/>
-              <a:t>18/12/2</a:t>
+              <a:t>2018/12/12</a:t>
             </a:fld>
             <a:endParaRPr lang="zh-CN" altLang="en-US"/>
           </a:p>
@@ -5418,7 +5414,7 @@
           <a:p>
             <a:fld id="{108E90B9-B3CD-4945-BCB0-C3FF094BCE5E}" type="datetimeFigureOut">
               <a:rPr lang="zh-CN" altLang="en-US" smtClean="0"/>
-              <a:t>18/12/2</a:t>
+              <a:t>2018/12/12</a:t>
             </a:fld>
             <a:endParaRPr lang="zh-CN" altLang="en-US"/>
           </a:p>
@@ -5681,7 +5677,7 @@
           <a:p>
             <a:fld id="{108E90B9-B3CD-4945-BCB0-C3FF094BCE5E}" type="datetimeFigureOut">
               <a:rPr lang="zh-CN" altLang="en-US" smtClean="0"/>
-              <a:t>18/12/2</a:t>
+              <a:t>2018/12/12</a:t>
             </a:fld>
             <a:endParaRPr lang="zh-CN" altLang="en-US"/>
           </a:p>
@@ -6424,7 +6420,7 @@
           <a:p>
             <a:fld id="{108E90B9-B3CD-4945-BCB0-C3FF094BCE5E}" type="datetimeFigureOut">
               <a:rPr lang="zh-CN" altLang="en-US" smtClean="0"/>
-              <a:t>18/12/2</a:t>
+              <a:t>2018/12/12</a:t>
             </a:fld>
             <a:endParaRPr lang="zh-CN" altLang="en-US"/>
           </a:p>
@@ -8802,144 +8798,276 @@
           <a:p>
             <a:pPr lvl="1"/>
             <a:r>
-              <a:rPr lang="zh-CN" altLang="zh-CN" sz="2400" dirty="0" smtClean="0"/>
+              <a:rPr lang="zh-CN" altLang="zh-CN" sz="2400" dirty="0" smtClean="0">
+                <a:latin typeface="Times New Roman" panose="02020603050405020304" pitchFamily="18" charset="0"/>
+                <a:ea typeface="宋体" panose="02010600030101010101" pitchFamily="2" charset="-122"/>
+                <a:cs typeface="Times New Roman" panose="02020603050405020304" pitchFamily="18" charset="0"/>
+              </a:rPr>
               <a:t>关键</a:t>
             </a:r>
             <a:r>
-              <a:rPr lang="zh-CN" altLang="zh-CN" sz="2400" dirty="0"/>
+              <a:rPr lang="zh-CN" altLang="zh-CN" sz="2400" dirty="0">
+                <a:latin typeface="Times New Roman" panose="02020603050405020304" pitchFamily="18" charset="0"/>
+                <a:ea typeface="宋体" panose="02010600030101010101" pitchFamily="2" charset="-122"/>
+                <a:cs typeface="Times New Roman" panose="02020603050405020304" pitchFamily="18" charset="0"/>
+              </a:rPr>
               <a:t>点</a:t>
             </a:r>
             <a:r>
-              <a:rPr lang="en-US" altLang="zh-CN" sz="2400" dirty="0"/>
+              <a:rPr lang="en-US" altLang="zh-CN" sz="2400" dirty="0">
+                <a:latin typeface="Times New Roman" panose="02020603050405020304" pitchFamily="18" charset="0"/>
+                <a:ea typeface="宋体" panose="02010600030101010101" pitchFamily="2" charset="-122"/>
+                <a:cs typeface="Times New Roman" panose="02020603050405020304" pitchFamily="18" charset="0"/>
+              </a:rPr>
               <a:t>1</a:t>
             </a:r>
             <a:r>
-              <a:rPr lang="zh-CN" altLang="zh-CN" sz="2400" dirty="0"/>
+              <a:rPr lang="zh-CN" altLang="zh-CN" sz="2400" dirty="0">
+                <a:latin typeface="Times New Roman" panose="02020603050405020304" pitchFamily="18" charset="0"/>
+                <a:ea typeface="宋体" panose="02010600030101010101" pitchFamily="2" charset="-122"/>
+                <a:cs typeface="Times New Roman" panose="02020603050405020304" pitchFamily="18" charset="0"/>
+              </a:rPr>
               <a:t>潜在活性成分的筛选（</a:t>
             </a:r>
             <a:r>
-              <a:rPr lang="en-US" altLang="zh-CN" sz="2400" dirty="0"/>
+              <a:rPr lang="en-US" altLang="zh-CN" sz="2400" dirty="0">
+                <a:latin typeface="Times New Roman" panose="02020603050405020304" pitchFamily="18" charset="0"/>
+                <a:ea typeface="宋体" panose="02010600030101010101" pitchFamily="2" charset="-122"/>
+                <a:cs typeface="Times New Roman" panose="02020603050405020304" pitchFamily="18" charset="0"/>
+              </a:rPr>
               <a:t>TCMSP</a:t>
             </a:r>
             <a:r>
-              <a:rPr lang="zh-CN" altLang="zh-CN" sz="2400" dirty="0"/>
+              <a:rPr lang="zh-CN" altLang="zh-CN" sz="2400" dirty="0">
+                <a:latin typeface="Times New Roman" panose="02020603050405020304" pitchFamily="18" charset="0"/>
+                <a:ea typeface="宋体" panose="02010600030101010101" pitchFamily="2" charset="-122"/>
+                <a:cs typeface="Times New Roman" panose="02020603050405020304" pitchFamily="18" charset="0"/>
+              </a:rPr>
               <a:t>打分，文献中找的如何处理？）具体哪</a:t>
             </a:r>
             <a:r>
-              <a:rPr lang="en-US" altLang="zh-CN" sz="2400" dirty="0"/>
+              <a:rPr lang="en-US" altLang="zh-CN" sz="2400" dirty="0">
+                <a:latin typeface="Times New Roman" panose="02020603050405020304" pitchFamily="18" charset="0"/>
+                <a:ea typeface="宋体" panose="02010600030101010101" pitchFamily="2" charset="-122"/>
+                <a:cs typeface="Times New Roman" panose="02020603050405020304" pitchFamily="18" charset="0"/>
+              </a:rPr>
               <a:t>93</a:t>
             </a:r>
             <a:r>
-              <a:rPr lang="zh-CN" altLang="zh-CN" sz="2400" dirty="0"/>
+              <a:rPr lang="zh-CN" altLang="zh-CN" sz="2400" dirty="0">
+                <a:latin typeface="Times New Roman" panose="02020603050405020304" pitchFamily="18" charset="0"/>
+                <a:ea typeface="宋体" panose="02010600030101010101" pitchFamily="2" charset="-122"/>
+                <a:cs typeface="Times New Roman" panose="02020603050405020304" pitchFamily="18" charset="0"/>
+              </a:rPr>
               <a:t>个成分？</a:t>
             </a:r>
           </a:p>
           <a:p>
             <a:pPr lvl="1"/>
             <a:r>
-              <a:rPr lang="zh-CN" altLang="zh-CN" sz="2400" dirty="0"/>
+              <a:rPr lang="zh-CN" altLang="zh-CN" sz="2400" dirty="0">
+                <a:latin typeface="Times New Roman" panose="02020603050405020304" pitchFamily="18" charset="0"/>
+                <a:ea typeface="宋体" panose="02010600030101010101" pitchFamily="2" charset="-122"/>
+                <a:cs typeface="Times New Roman" panose="02020603050405020304" pitchFamily="18" charset="0"/>
+              </a:rPr>
               <a:t>关键点</a:t>
             </a:r>
             <a:r>
-              <a:rPr lang="en-US" altLang="zh-CN" sz="2400" dirty="0"/>
+              <a:rPr lang="en-US" altLang="zh-CN" sz="2400" dirty="0">
+                <a:latin typeface="Times New Roman" panose="02020603050405020304" pitchFamily="18" charset="0"/>
+                <a:ea typeface="宋体" panose="02010600030101010101" pitchFamily="2" charset="-122"/>
+                <a:cs typeface="Times New Roman" panose="02020603050405020304" pitchFamily="18" charset="0"/>
+              </a:rPr>
               <a:t>2</a:t>
             </a:r>
             <a:r>
-              <a:rPr lang="zh-CN" altLang="zh-CN" sz="2400" dirty="0"/>
+              <a:rPr lang="zh-CN" altLang="zh-CN" sz="2400" dirty="0">
+                <a:latin typeface="Times New Roman" panose="02020603050405020304" pitchFamily="18" charset="0"/>
+                <a:ea typeface="宋体" panose="02010600030101010101" pitchFamily="2" charset="-122"/>
+                <a:cs typeface="Times New Roman" panose="02020603050405020304" pitchFamily="18" charset="0"/>
+              </a:rPr>
               <a:t>潜在靶点的筛选 需要</a:t>
             </a:r>
             <a:r>
-              <a:rPr lang="en-US" altLang="zh-CN" sz="2400" dirty="0"/>
+              <a:rPr lang="en-US" altLang="zh-CN" sz="2400" dirty="0">
+                <a:latin typeface="Times New Roman" panose="02020603050405020304" pitchFamily="18" charset="0"/>
+                <a:ea typeface="宋体" panose="02010600030101010101" pitchFamily="2" charset="-122"/>
+                <a:cs typeface="Times New Roman" panose="02020603050405020304" pitchFamily="18" charset="0"/>
+              </a:rPr>
               <a:t>ID</a:t>
             </a:r>
             <a:r>
-              <a:rPr lang="zh-CN" altLang="zh-CN" sz="2400" dirty="0"/>
+              <a:rPr lang="zh-CN" altLang="zh-CN" sz="2400" dirty="0">
+                <a:latin typeface="Times New Roman" panose="02020603050405020304" pitchFamily="18" charset="0"/>
+                <a:ea typeface="宋体" panose="02010600030101010101" pitchFamily="2" charset="-122"/>
+                <a:cs typeface="Times New Roman" panose="02020603050405020304" pitchFamily="18" charset="0"/>
+              </a:rPr>
               <a:t>对应的基因、蛋白信息</a:t>
             </a:r>
           </a:p>
           <a:p>
             <a:r>
-              <a:rPr lang="en-US" altLang="zh-CN" sz="2400" dirty="0"/>
+              <a:rPr lang="en-US" altLang="zh-CN" sz="2400" dirty="0">
+                <a:latin typeface="Times New Roman" panose="02020603050405020304" pitchFamily="18" charset="0"/>
+                <a:ea typeface="宋体" panose="02010600030101010101" pitchFamily="2" charset="-122"/>
+                <a:cs typeface="Times New Roman" panose="02020603050405020304" pitchFamily="18" charset="0"/>
+              </a:rPr>
               <a:t>NCBI</a:t>
             </a:r>
             <a:r>
-              <a:rPr lang="zh-CN" altLang="zh-CN" sz="2400" dirty="0"/>
+              <a:rPr lang="zh-CN" altLang="zh-CN" sz="2400" dirty="0">
+                <a:latin typeface="Times New Roman" panose="02020603050405020304" pitchFamily="18" charset="0"/>
+                <a:ea typeface="宋体" panose="02010600030101010101" pitchFamily="2" charset="-122"/>
+                <a:cs typeface="Times New Roman" panose="02020603050405020304" pitchFamily="18" charset="0"/>
+              </a:rPr>
               <a:t>中搜到的靶点集合与</a:t>
             </a:r>
             <a:r>
-              <a:rPr lang="en-US" altLang="zh-CN" sz="2400" dirty="0"/>
+              <a:rPr lang="en-US" altLang="zh-CN" sz="2400" dirty="0">
+                <a:latin typeface="Times New Roman" panose="02020603050405020304" pitchFamily="18" charset="0"/>
+                <a:ea typeface="宋体" panose="02010600030101010101" pitchFamily="2" charset="-122"/>
+                <a:cs typeface="Times New Roman" panose="02020603050405020304" pitchFamily="18" charset="0"/>
+              </a:rPr>
               <a:t>TCMSP</a:t>
             </a:r>
             <a:r>
-              <a:rPr lang="zh-CN" altLang="zh-CN" sz="2400" dirty="0"/>
+              <a:rPr lang="zh-CN" altLang="zh-CN" sz="2400" dirty="0">
+                <a:latin typeface="Times New Roman" panose="02020603050405020304" pitchFamily="18" charset="0"/>
+                <a:ea typeface="宋体" panose="02010600030101010101" pitchFamily="2" charset="-122"/>
+                <a:cs typeface="Times New Roman" panose="02020603050405020304" pitchFamily="18" charset="0"/>
+              </a:rPr>
               <a:t>数据库中的化学成分靶点集合相同的部分（交集）作为潜在作用靶点</a:t>
             </a:r>
           </a:p>
           <a:p>
             <a:pPr lvl="1"/>
             <a:r>
-              <a:rPr lang="zh-CN" altLang="zh-CN" sz="2400" dirty="0"/>
+              <a:rPr lang="zh-CN" altLang="zh-CN" sz="2400" dirty="0">
+                <a:latin typeface="Times New Roman" panose="02020603050405020304" pitchFamily="18" charset="0"/>
+                <a:ea typeface="宋体" panose="02010600030101010101" pitchFamily="2" charset="-122"/>
+                <a:cs typeface="Times New Roman" panose="02020603050405020304" pitchFamily="18" charset="0"/>
+              </a:rPr>
               <a:t>验证</a:t>
             </a:r>
             <a:r>
-              <a:rPr lang="en-US" altLang="zh-CN" sz="2400" dirty="0"/>
+              <a:rPr lang="en-US" altLang="zh-CN" sz="2400" dirty="0">
+                <a:latin typeface="Times New Roman" panose="02020603050405020304" pitchFamily="18" charset="0"/>
+                <a:ea typeface="宋体" panose="02010600030101010101" pitchFamily="2" charset="-122"/>
+                <a:cs typeface="Times New Roman" panose="02020603050405020304" pitchFamily="18" charset="0"/>
+              </a:rPr>
               <a:t>12</a:t>
             </a:r>
             <a:r>
-              <a:rPr lang="zh-CN" altLang="zh-CN" sz="2400" dirty="0"/>
+              <a:rPr lang="zh-CN" altLang="zh-CN" sz="2400" dirty="0">
+                <a:latin typeface="Times New Roman" panose="02020603050405020304" pitchFamily="18" charset="0"/>
+                <a:ea typeface="宋体" panose="02010600030101010101" pitchFamily="2" charset="-122"/>
+                <a:cs typeface="Times New Roman" panose="02020603050405020304" pitchFamily="18" charset="0"/>
+              </a:rPr>
               <a:t>种成分（实例分析）是否在该潜在活性成分群中。</a:t>
             </a:r>
           </a:p>
           <a:p>
             <a:r>
-              <a:rPr lang="zh-CN" altLang="en-US" sz="2400" dirty="0" smtClean="0"/>
+              <a:rPr lang="zh-CN" altLang="en-US" sz="2400" dirty="0" smtClean="0">
+                <a:latin typeface="Times New Roman" panose="02020603050405020304" pitchFamily="18" charset="0"/>
+                <a:ea typeface="宋体" panose="02010600030101010101" pitchFamily="2" charset="-122"/>
+                <a:cs typeface="Times New Roman" panose="02020603050405020304" pitchFamily="18" charset="0"/>
+              </a:rPr>
               <a:t>潜在靶点可以根据</a:t>
             </a:r>
             <a:r>
-              <a:rPr lang="en-US" altLang="zh-CN" sz="2400" dirty="0" smtClean="0"/>
+              <a:rPr lang="en-US" altLang="zh-CN" sz="2400" dirty="0" smtClean="0">
+                <a:latin typeface="Times New Roman" panose="02020603050405020304" pitchFamily="18" charset="0"/>
+                <a:ea typeface="宋体" panose="02010600030101010101" pitchFamily="2" charset="-122"/>
+                <a:cs typeface="Times New Roman" panose="02020603050405020304" pitchFamily="18" charset="0"/>
+              </a:rPr>
               <a:t>TCMSP</a:t>
             </a:r>
             <a:r>
-              <a:rPr lang="zh-CN" altLang="en-US" sz="2400" dirty="0" smtClean="0"/>
+              <a:rPr lang="zh-CN" altLang="en-US" sz="2400" dirty="0" smtClean="0">
+                <a:latin typeface="Times New Roman" panose="02020603050405020304" pitchFamily="18" charset="0"/>
+                <a:ea typeface="宋体" panose="02010600030101010101" pitchFamily="2" charset="-122"/>
+                <a:cs typeface="Times New Roman" panose="02020603050405020304" pitchFamily="18" charset="0"/>
+              </a:rPr>
               <a:t>数据库中的渗透参数进行选择，例如</a:t>
             </a:r>
             <a:r>
-              <a:rPr lang="en-US" altLang="zh-CN" sz="2400" dirty="0"/>
+              <a:rPr lang="en-US" altLang="zh-CN" sz="2400" dirty="0">
+                <a:latin typeface="Times New Roman" panose="02020603050405020304" pitchFamily="18" charset="0"/>
+                <a:ea typeface="宋体" panose="02010600030101010101" pitchFamily="2" charset="-122"/>
+                <a:cs typeface="Times New Roman" panose="02020603050405020304" pitchFamily="18" charset="0"/>
+              </a:rPr>
               <a:t>OB≥40%</a:t>
             </a:r>
             <a:r>
-              <a:rPr lang="zh-CN" altLang="en-US" sz="2400" dirty="0"/>
+              <a:rPr lang="zh-CN" altLang="en-US" sz="2400" dirty="0">
+                <a:latin typeface="Times New Roman" panose="02020603050405020304" pitchFamily="18" charset="0"/>
+                <a:ea typeface="宋体" panose="02010600030101010101" pitchFamily="2" charset="-122"/>
+                <a:cs typeface="Times New Roman" panose="02020603050405020304" pitchFamily="18" charset="0"/>
+              </a:rPr>
               <a:t>和</a:t>
             </a:r>
             <a:r>
-              <a:rPr lang="en-US" altLang="zh-CN" sz="2400" dirty="0"/>
+              <a:rPr lang="en-US" altLang="zh-CN" sz="2400" dirty="0">
+                <a:latin typeface="Times New Roman" panose="02020603050405020304" pitchFamily="18" charset="0"/>
+                <a:ea typeface="宋体" panose="02010600030101010101" pitchFamily="2" charset="-122"/>
+                <a:cs typeface="Times New Roman" panose="02020603050405020304" pitchFamily="18" charset="0"/>
+              </a:rPr>
               <a:t>DL≥</a:t>
             </a:r>
             <a:r>
-              <a:rPr lang="en-US" altLang="zh-CN" sz="2400" dirty="0" smtClean="0"/>
+              <a:rPr lang="en-US" altLang="zh-CN" sz="2400" dirty="0" smtClean="0">
+                <a:latin typeface="Times New Roman" panose="02020603050405020304" pitchFamily="18" charset="0"/>
+                <a:ea typeface="宋体" panose="02010600030101010101" pitchFamily="2" charset="-122"/>
+                <a:cs typeface="Times New Roman" panose="02020603050405020304" pitchFamily="18" charset="0"/>
+              </a:rPr>
               <a:t>0.20</a:t>
             </a:r>
             <a:r>
-              <a:rPr lang="zh-CN" altLang="en-US" sz="2400" dirty="0" smtClean="0"/>
+              <a:rPr lang="zh-CN" altLang="en-US" sz="2400" dirty="0" smtClean="0">
+                <a:latin typeface="Times New Roman" panose="02020603050405020304" pitchFamily="18" charset="0"/>
+                <a:ea typeface="宋体" panose="02010600030101010101" pitchFamily="2" charset="-122"/>
+                <a:cs typeface="Times New Roman" panose="02020603050405020304" pitchFamily="18" charset="0"/>
+              </a:rPr>
               <a:t>这两个参数、文献中的数据使用</a:t>
             </a:r>
             <a:r>
-              <a:rPr lang="en-US" altLang="zh-CN" sz="2400" dirty="0" smtClean="0"/>
+              <a:rPr lang="en-US" altLang="zh-CN" sz="2400" dirty="0" smtClean="0">
+                <a:latin typeface="Times New Roman" panose="02020603050405020304" pitchFamily="18" charset="0"/>
+                <a:ea typeface="宋体" panose="02010600030101010101" pitchFamily="2" charset="-122"/>
+                <a:cs typeface="Times New Roman" panose="02020603050405020304" pitchFamily="18" charset="0"/>
+              </a:rPr>
               <a:t>EXCEL</a:t>
             </a:r>
             <a:r>
-              <a:rPr lang="zh-CN" altLang="en-US" sz="2400" dirty="0" smtClean="0"/>
+              <a:rPr lang="zh-CN" altLang="en-US" sz="2400" dirty="0" smtClean="0">
+                <a:latin typeface="Times New Roman" panose="02020603050405020304" pitchFamily="18" charset="0"/>
+                <a:ea typeface="宋体" panose="02010600030101010101" pitchFamily="2" charset="-122"/>
+                <a:cs typeface="Times New Roman" panose="02020603050405020304" pitchFamily="18" charset="0"/>
+              </a:rPr>
               <a:t>处理</a:t>
             </a:r>
             <a:r>
-              <a:rPr lang="zh-CN" altLang="en-US" sz="2400" dirty="0"/>
+              <a:rPr lang="zh-CN" altLang="en-US" sz="2400" dirty="0">
+                <a:latin typeface="Times New Roman" panose="02020603050405020304" pitchFamily="18" charset="0"/>
+                <a:ea typeface="宋体" panose="02010600030101010101" pitchFamily="2" charset="-122"/>
+                <a:cs typeface="Times New Roman" panose="02020603050405020304" pitchFamily="18" charset="0"/>
+              </a:rPr>
               <a:t>上</a:t>
             </a:r>
             <a:r>
-              <a:rPr lang="zh-CN" altLang="en-US" sz="2400" dirty="0" smtClean="0"/>
+              <a:rPr lang="zh-CN" altLang="en-US" sz="2400" dirty="0" smtClean="0">
+                <a:latin typeface="Times New Roman" panose="02020603050405020304" pitchFamily="18" charset="0"/>
+                <a:ea typeface="宋体" panose="02010600030101010101" pitchFamily="2" charset="-122"/>
+                <a:cs typeface="Times New Roman" panose="02020603050405020304" pitchFamily="18" charset="0"/>
+              </a:rPr>
               <a:t>传。</a:t>
             </a:r>
-            <a:endParaRPr lang="zh-CN" altLang="en-US" sz="2400" dirty="0"/>
+            <a:endParaRPr lang="zh-CN" altLang="en-US" sz="2400" dirty="0">
+              <a:latin typeface="Times New Roman" panose="02020603050405020304" pitchFamily="18" charset="0"/>
+              <a:ea typeface="宋体" panose="02010600030101010101" pitchFamily="2" charset="-122"/>
+              <a:cs typeface="Times New Roman" panose="02020603050405020304" pitchFamily="18" charset="0"/>
+            </a:endParaRPr>
           </a:p>
         </p:txBody>
       </p:sp>
@@ -9019,149 +9147,147 @@
         </p:nvSpPr>
         <p:spPr>
           <a:xfrm>
-            <a:off x="677334" y="1764768"/>
-            <a:ext cx="9162405" cy="4238468"/>
+            <a:off x="677334" y="1735583"/>
+            <a:ext cx="9964726" cy="4957047"/>
           </a:xfrm>
         </p:spPr>
         <p:txBody>
-          <a:bodyPr/>
-          <a:lstStyle/>
-          <a:p>
-            <a:r>
-              <a:rPr lang="en-US" altLang="zh-CN" dirty="0" smtClean="0"/>
+          <a:bodyPr>
+            <a:normAutofit/>
+          </a:bodyPr>
+          <a:lstStyle/>
+          <a:p>
+            <a:r>
+              <a:rPr lang="en-US" altLang="zh-CN" sz="2400" dirty="0" smtClean="0"/>
               <a:t>3.1 </a:t>
             </a:r>
             <a:r>
-              <a:rPr lang="zh-CN" altLang="zh-CN" dirty="0"/>
+              <a:rPr lang="zh-CN" altLang="zh-CN" sz="2400" dirty="0"/>
               <a:t>化合物、靶点的结构搜索（哪些数据库）</a:t>
             </a:r>
           </a:p>
           <a:p>
             <a:pPr lvl="0"/>
             <a:r>
-              <a:rPr lang="zh-CN" altLang="zh-CN" dirty="0"/>
+              <a:rPr lang="zh-CN" altLang="zh-CN" sz="2400" dirty="0"/>
               <a:t>编写程序实现自动搜索、结果导出</a:t>
             </a:r>
           </a:p>
           <a:p>
             <a:r>
-              <a:rPr lang="en-US" altLang="zh-CN" dirty="0"/>
+              <a:rPr lang="en-US" altLang="zh-CN" sz="2400" dirty="0"/>
               <a:t>3.2 </a:t>
             </a:r>
             <a:r>
-              <a:rPr lang="zh-CN" altLang="en-US" dirty="0" smtClean="0"/>
+              <a:rPr lang="zh-CN" altLang="en-US" sz="2400" dirty="0" smtClean="0"/>
               <a:t> </a:t>
             </a:r>
             <a:r>
-              <a:rPr lang="en-US" altLang="zh-CN" dirty="0" err="1" smtClean="0"/>
+              <a:rPr lang="en-US" altLang="zh-CN" sz="2400" dirty="0" err="1" smtClean="0"/>
               <a:t>Systemsdock</a:t>
             </a:r>
             <a:r>
-              <a:rPr lang="zh-CN" altLang="zh-CN" dirty="0"/>
+              <a:rPr lang="zh-CN" altLang="zh-CN" sz="2400" dirty="0"/>
               <a:t>在线对接平台：打分</a:t>
             </a:r>
           </a:p>
           <a:p>
             <a:r>
-              <a:rPr lang="zh-CN" altLang="zh-CN" dirty="0"/>
+              <a:rPr lang="zh-CN" altLang="zh-CN" sz="2400" dirty="0"/>
               <a:t>不用</a:t>
             </a:r>
             <a:r>
-              <a:rPr lang="en-US" altLang="zh-CN" dirty="0"/>
+              <a:rPr lang="en-US" altLang="zh-CN" sz="2400" dirty="0"/>
               <a:t>DS</a:t>
             </a:r>
             <a:r>
-              <a:rPr lang="zh-CN" altLang="zh-CN" dirty="0"/>
+              <a:rPr lang="zh-CN" altLang="zh-CN" sz="2400" dirty="0"/>
               <a:t>软件，换用在线平台。导入成分及靶点相关信息，</a:t>
             </a:r>
             <a:r>
-              <a:rPr lang="en-US" altLang="zh-CN" dirty="0"/>
+              <a:rPr lang="en-US" altLang="zh-CN" sz="2400" dirty="0"/>
               <a:t>docking score</a:t>
             </a:r>
             <a:r>
-              <a:rPr lang="zh-CN" altLang="zh-CN" dirty="0"/>
+              <a:rPr lang="zh-CN" altLang="zh-CN" sz="2400" dirty="0"/>
               <a:t>值大于</a:t>
             </a:r>
             <a:r>
-              <a:rPr lang="en-US" altLang="zh-CN" dirty="0"/>
+              <a:rPr lang="en-US" altLang="zh-CN" sz="2400" dirty="0"/>
               <a:t>4.25</a:t>
             </a:r>
             <a:r>
-              <a:rPr lang="zh-CN" altLang="zh-CN" dirty="0"/>
+              <a:rPr lang="zh-CN" altLang="zh-CN" sz="2400" dirty="0"/>
               <a:t>说明分子与靶点有一定的结合活性，大于</a:t>
             </a:r>
             <a:r>
-              <a:rPr lang="en-US" altLang="zh-CN" dirty="0"/>
+              <a:rPr lang="en-US" altLang="zh-CN" sz="2400" dirty="0"/>
               <a:t> 5.0 </a:t>
             </a:r>
             <a:r>
-              <a:rPr lang="zh-CN" altLang="zh-CN" dirty="0"/>
+              <a:rPr lang="zh-CN" altLang="zh-CN" sz="2400" dirty="0"/>
               <a:t>说明分子与靶点有较好的结合活性，大于</a:t>
             </a:r>
             <a:r>
-              <a:rPr lang="en-US" altLang="zh-CN" dirty="0"/>
+              <a:rPr lang="en-US" altLang="zh-CN" sz="2400" dirty="0"/>
               <a:t> 7.0 </a:t>
             </a:r>
             <a:r>
-              <a:rPr lang="zh-CN" altLang="zh-CN" dirty="0"/>
+              <a:rPr lang="zh-CN" altLang="zh-CN" sz="2400" dirty="0"/>
               <a:t>则说明具有强烈的结合活性。</a:t>
             </a:r>
           </a:p>
           <a:p>
             <a:r>
-              <a:rPr lang="en-US" altLang="zh-CN" dirty="0"/>
+              <a:rPr lang="en-US" altLang="zh-CN" sz="2400" dirty="0"/>
               <a:t>  </a:t>
             </a:r>
             <a:r>
-              <a:rPr lang="zh-CN" altLang="zh-CN" dirty="0"/>
+              <a:rPr lang="zh-CN" altLang="zh-CN" sz="2400" dirty="0"/>
               <a:t>打分结果分类</a:t>
             </a:r>
           </a:p>
           <a:p>
             <a:r>
-              <a:rPr lang="en-US" altLang="zh-CN" dirty="0"/>
+              <a:rPr lang="en-US" altLang="zh-CN" sz="2400" dirty="0"/>
               <a:t>  </a:t>
             </a:r>
             <a:r>
-              <a:rPr lang="zh-CN" altLang="zh-CN" dirty="0"/>
+              <a:rPr lang="zh-CN" altLang="zh-CN" sz="2400" dirty="0"/>
               <a:t>对接结果重复部分如何处理的？结果的解读</a:t>
             </a:r>
           </a:p>
           <a:p>
             <a:r>
-              <a:rPr lang="zh-CN" altLang="en-US" dirty="0" smtClean="0"/>
+              <a:rPr lang="zh-CN" altLang="en-US" sz="2400" dirty="0" smtClean="0"/>
               <a:t>打分结果，会以</a:t>
             </a:r>
             <a:r>
-              <a:rPr lang="en-US" altLang="zh-CN" dirty="0" smtClean="0"/>
+              <a:rPr lang="en-US" altLang="zh-CN" sz="2400" dirty="0" smtClean="0"/>
               <a:t>excel</a:t>
             </a:r>
             <a:r>
-              <a:rPr lang="zh-CN" altLang="en-US" dirty="0" smtClean="0"/>
+              <a:rPr lang="zh-CN" altLang="en-US" sz="2400" dirty="0" smtClean="0"/>
               <a:t>的格式给出，主要是疾病名称、靶点、</a:t>
             </a:r>
             <a:r>
-              <a:rPr lang="en-US" altLang="zh-CN" dirty="0" err="1" smtClean="0"/>
+              <a:rPr lang="en-US" altLang="zh-CN" sz="2400" dirty="0" err="1" smtClean="0"/>
               <a:t>pdbid</a:t>
             </a:r>
             <a:r>
-              <a:rPr lang="zh-CN" altLang="en-US" dirty="0" smtClean="0"/>
+              <a:rPr lang="zh-CN" altLang="en-US" sz="2400" dirty="0" smtClean="0"/>
               <a:t>、成分名称、打分信息、为</a:t>
             </a:r>
             <a:r>
-              <a:rPr lang="en-US" altLang="zh-CN" dirty="0" smtClean="0"/>
+              <a:rPr lang="en-US" altLang="zh-CN" sz="2400" dirty="0" smtClean="0"/>
               <a:t>NULL</a:t>
             </a:r>
             <a:r>
-              <a:rPr lang="zh-CN" altLang="en-US" dirty="0" smtClean="0"/>
-              <a:t>或者是为零的部分是因为对接失败，直接判定</a:t>
-            </a:r>
-            <a:r>
-              <a:rPr lang="zh-CN" altLang="en-US" dirty="0" smtClean="0"/>
-              <a:t>为</a:t>
-            </a:r>
-            <a:r>
-              <a:rPr lang="en-US" altLang="zh-CN" dirty="0" smtClean="0"/>
+              <a:rPr lang="zh-CN" altLang="en-US" sz="2400" dirty="0" smtClean="0"/>
+              <a:t>或者是为零的部分是因为对接失败，直接判定为</a:t>
+            </a:r>
+            <a:r>
+              <a:rPr lang="en-US" altLang="zh-CN" sz="2400" dirty="0" smtClean="0"/>
               <a:t>0</a:t>
             </a:r>
           </a:p>
@@ -9189,7 +9315,7 @@
         </p:blipFill>
         <p:spPr>
           <a:xfrm>
-            <a:off x="5995766" y="4206395"/>
+            <a:off x="7454915" y="4546863"/>
             <a:ext cx="1476375" cy="295275"/>
           </a:xfrm>
           <a:prstGeom prst="rect">
@@ -9271,8 +9397,8 @@
         </p:blipFill>
         <p:spPr>
           <a:xfrm>
-            <a:off x="990341" y="178904"/>
-            <a:ext cx="7970653" cy="6513162"/>
+            <a:off x="677334" y="1365679"/>
+            <a:ext cx="5709492" cy="4665470"/>
           </a:xfrm>
           <a:prstGeom prst="rect">
             <a:avLst/>
@@ -9370,8 +9496,8 @@
         </p:blipFill>
         <p:spPr>
           <a:xfrm>
-            <a:off x="901175" y="312686"/>
-            <a:ext cx="7825382" cy="6166132"/>
+            <a:off x="677334" y="1270000"/>
+            <a:ext cx="6165784" cy="4858426"/>
           </a:xfrm>
           <a:prstGeom prst="rect">
             <a:avLst/>

--- a/medicine/docs/研究文档/分子对接论文/网络药理学半自动化系统_修改1.pptx
+++ b/medicine/docs/研究文档/分子对接论文/网络药理学半自动化系统_修改1.pptx
@@ -5,7 +5,7 @@
     <p:sldMasterId id="2147483714" r:id="rId1"/>
   </p:sldMasterIdLst>
   <p:notesMasterIdLst>
-    <p:notesMasterId r:id="rId16"/>
+    <p:notesMasterId r:id="rId21"/>
   </p:notesMasterIdLst>
   <p:sldIdLst>
     <p:sldId id="256" r:id="rId2"/>
@@ -22,6 +22,11 @@
     <p:sldId id="264" r:id="rId13"/>
     <p:sldId id="265" r:id="rId14"/>
     <p:sldId id="266" r:id="rId15"/>
+    <p:sldId id="270" r:id="rId16"/>
+    <p:sldId id="271" r:id="rId17"/>
+    <p:sldId id="273" r:id="rId18"/>
+    <p:sldId id="274" r:id="rId19"/>
+    <p:sldId id="272" r:id="rId20"/>
   </p:sldIdLst>
   <p:sldSz cx="12192000" cy="6858000"/>
   <p:notesSz cx="6858000" cy="9144000"/>
@@ -7620,6 +7625,466 @@
 </p:sld>
 </file>
 
+<file path=ppt/slides/slide15.xml><?xml version="1.0" encoding="utf-8"?>
+<p:sld xmlns:a="http://schemas.openxmlformats.org/drawingml/2006/main" xmlns:r="http://schemas.openxmlformats.org/officeDocument/2006/relationships" xmlns:p="http://schemas.openxmlformats.org/presentationml/2006/main">
+  <p:cSld>
+    <p:spTree>
+      <p:nvGrpSpPr>
+        <p:cNvPr id="1" name=""/>
+        <p:cNvGrpSpPr/>
+        <p:nvPr/>
+      </p:nvGrpSpPr>
+      <p:grpSpPr>
+        <a:xfrm>
+          <a:off x="0" y="0"/>
+          <a:ext cx="0" cy="0"/>
+          <a:chOff x="0" y="0"/>
+          <a:chExt cx="0" cy="0"/>
+        </a:xfrm>
+      </p:grpSpPr>
+      <p:sp>
+        <p:nvSpPr>
+          <p:cNvPr id="2" name="标题 1"/>
+          <p:cNvSpPr>
+            <a:spLocks noGrp="1"/>
+          </p:cNvSpPr>
+          <p:nvPr>
+            <p:ph type="title"/>
+          </p:nvPr>
+        </p:nvSpPr>
+        <p:spPr>
+          <a:xfrm>
+            <a:off x="385504" y="171855"/>
+            <a:ext cx="8596668" cy="1320800"/>
+          </a:xfrm>
+        </p:spPr>
+        <p:txBody>
+          <a:bodyPr/>
+          <a:lstStyle/>
+          <a:p>
+            <a:r>
+              <a:rPr lang="zh-CN" altLang="en-US" dirty="0" smtClean="0"/>
+              <a:t>药物</a:t>
+            </a:r>
+            <a:r>
+              <a:rPr lang="en-US" altLang="zh-CN" dirty="0" smtClean="0"/>
+              <a:t>-</a:t>
+            </a:r>
+            <a:r>
+              <a:rPr lang="zh-CN" altLang="en-US" dirty="0" smtClean="0"/>
+              <a:t>活性成分</a:t>
+            </a:r>
+            <a:endParaRPr lang="zh-CN" altLang="en-US" dirty="0"/>
+          </a:p>
+        </p:txBody>
+      </p:sp>
+      <p:pic>
+        <p:nvPicPr>
+          <p:cNvPr id="4" name="内容占位符 3"/>
+          <p:cNvPicPr>
+            <a:picLocks noGrp="1" noChangeAspect="1"/>
+          </p:cNvPicPr>
+          <p:nvPr>
+            <p:ph idx="1"/>
+          </p:nvPr>
+        </p:nvPicPr>
+        <p:blipFill>
+          <a:blip r:embed="rId2">
+            <a:extLst>
+              <a:ext uri="{28A0092B-C50C-407E-A947-70E740481C1C}">
+                <a14:useLocalDpi xmlns:a14="http://schemas.microsoft.com/office/drawing/2010/main" val="0"/>
+              </a:ext>
+            </a:extLst>
+          </a:blip>
+          <a:stretch>
+            <a:fillRect/>
+          </a:stretch>
+        </p:blipFill>
+        <p:spPr>
+          <a:xfrm>
+            <a:off x="1377725" y="934902"/>
+            <a:ext cx="8349935" cy="5729391"/>
+          </a:xfrm>
+        </p:spPr>
+      </p:pic>
+    </p:spTree>
+    <p:extLst>
+      <p:ext uri="{BB962C8B-B14F-4D97-AF65-F5344CB8AC3E}">
+        <p14:creationId xmlns:p14="http://schemas.microsoft.com/office/powerpoint/2010/main" val="3953492680"/>
+      </p:ext>
+    </p:extLst>
+  </p:cSld>
+  <p:clrMapOvr>
+    <a:masterClrMapping/>
+  </p:clrMapOvr>
+</p:sld>
+</file>
+
+<file path=ppt/slides/slide16.xml><?xml version="1.0" encoding="utf-8"?>
+<p:sld xmlns:a="http://schemas.openxmlformats.org/drawingml/2006/main" xmlns:r="http://schemas.openxmlformats.org/officeDocument/2006/relationships" xmlns:p="http://schemas.openxmlformats.org/presentationml/2006/main">
+  <p:cSld>
+    <p:spTree>
+      <p:nvGrpSpPr>
+        <p:cNvPr id="1" name=""/>
+        <p:cNvGrpSpPr/>
+        <p:nvPr/>
+      </p:nvGrpSpPr>
+      <p:grpSpPr>
+        <a:xfrm>
+          <a:off x="0" y="0"/>
+          <a:ext cx="0" cy="0"/>
+          <a:chOff x="0" y="0"/>
+          <a:chExt cx="0" cy="0"/>
+        </a:xfrm>
+      </p:grpSpPr>
+      <p:sp>
+        <p:nvSpPr>
+          <p:cNvPr id="2" name="标题 1"/>
+          <p:cNvSpPr>
+            <a:spLocks noGrp="1"/>
+          </p:cNvSpPr>
+          <p:nvPr>
+            <p:ph type="title"/>
+          </p:nvPr>
+        </p:nvSpPr>
+        <p:spPr/>
+        <p:txBody>
+          <a:bodyPr/>
+          <a:lstStyle/>
+          <a:p>
+            <a:r>
+              <a:rPr lang="zh-CN" altLang="en-US" dirty="0" smtClean="0"/>
+              <a:t>通路分析</a:t>
+            </a:r>
+            <a:endParaRPr lang="zh-CN" altLang="en-US" dirty="0"/>
+          </a:p>
+        </p:txBody>
+      </p:sp>
+      <p:sp>
+        <p:nvSpPr>
+          <p:cNvPr id="5" name="内容占位符 4"/>
+          <p:cNvSpPr>
+            <a:spLocks noGrp="1"/>
+          </p:cNvSpPr>
+          <p:nvPr>
+            <p:ph idx="1"/>
+          </p:nvPr>
+        </p:nvSpPr>
+        <p:spPr/>
+        <p:txBody>
+          <a:bodyPr/>
+          <a:lstStyle/>
+          <a:p>
+            <a:endParaRPr lang="zh-CN" altLang="en-US"/>
+          </a:p>
+        </p:txBody>
+      </p:sp>
+      <p:pic>
+        <p:nvPicPr>
+          <p:cNvPr id="6" name="图片 5"/>
+          <p:cNvPicPr>
+            <a:picLocks noChangeAspect="1"/>
+          </p:cNvPicPr>
+          <p:nvPr/>
+        </p:nvPicPr>
+        <p:blipFill>
+          <a:blip r:embed="rId2"/>
+          <a:stretch>
+            <a:fillRect/>
+          </a:stretch>
+        </p:blipFill>
+        <p:spPr>
+          <a:xfrm>
+            <a:off x="3024294" y="690879"/>
+            <a:ext cx="7267786" cy="5948179"/>
+          </a:xfrm>
+          <a:prstGeom prst="rect">
+            <a:avLst/>
+          </a:prstGeom>
+        </p:spPr>
+      </p:pic>
+    </p:spTree>
+    <p:extLst>
+      <p:ext uri="{BB962C8B-B14F-4D97-AF65-F5344CB8AC3E}">
+        <p14:creationId xmlns:p14="http://schemas.microsoft.com/office/powerpoint/2010/main" val="3688883723"/>
+      </p:ext>
+    </p:extLst>
+  </p:cSld>
+  <p:clrMapOvr>
+    <a:masterClrMapping/>
+  </p:clrMapOvr>
+</p:sld>
+</file>
+
+<file path=ppt/slides/slide17.xml><?xml version="1.0" encoding="utf-8"?>
+<p:sld xmlns:a="http://schemas.openxmlformats.org/drawingml/2006/main" xmlns:r="http://schemas.openxmlformats.org/officeDocument/2006/relationships" xmlns:p="http://schemas.openxmlformats.org/presentationml/2006/main">
+  <p:cSld>
+    <p:spTree>
+      <p:nvGrpSpPr>
+        <p:cNvPr id="1" name=""/>
+        <p:cNvGrpSpPr/>
+        <p:nvPr/>
+      </p:nvGrpSpPr>
+      <p:grpSpPr>
+        <a:xfrm>
+          <a:off x="0" y="0"/>
+          <a:ext cx="0" cy="0"/>
+          <a:chOff x="0" y="0"/>
+          <a:chExt cx="0" cy="0"/>
+        </a:xfrm>
+      </p:grpSpPr>
+      <p:sp>
+        <p:nvSpPr>
+          <p:cNvPr id="2" name="标题 1"/>
+          <p:cNvSpPr>
+            <a:spLocks noGrp="1"/>
+          </p:cNvSpPr>
+          <p:nvPr>
+            <p:ph type="title"/>
+          </p:nvPr>
+        </p:nvSpPr>
+        <p:spPr/>
+        <p:txBody>
+          <a:bodyPr/>
+          <a:lstStyle/>
+          <a:p>
+            <a:r>
+              <a:rPr lang="zh-CN" altLang="en-US" dirty="0"/>
+              <a:t>通路分析</a:t>
+            </a:r>
+          </a:p>
+        </p:txBody>
+      </p:sp>
+      <p:pic>
+        <p:nvPicPr>
+          <p:cNvPr id="6" name="内容占位符 5"/>
+          <p:cNvPicPr>
+            <a:picLocks noGrp="1" noChangeAspect="1"/>
+          </p:cNvPicPr>
+          <p:nvPr>
+            <p:ph idx="1"/>
+          </p:nvPr>
+        </p:nvPicPr>
+        <p:blipFill>
+          <a:blip r:embed="rId2"/>
+          <a:stretch>
+            <a:fillRect/>
+          </a:stretch>
+        </p:blipFill>
+        <p:spPr>
+          <a:xfrm>
+            <a:off x="3059290" y="255389"/>
+            <a:ext cx="7045837" cy="6450211"/>
+          </a:xfrm>
+          <a:prstGeom prst="rect">
+            <a:avLst/>
+          </a:prstGeom>
+        </p:spPr>
+      </p:pic>
+    </p:spTree>
+    <p:extLst>
+      <p:ext uri="{BB962C8B-B14F-4D97-AF65-F5344CB8AC3E}">
+        <p14:creationId xmlns:p14="http://schemas.microsoft.com/office/powerpoint/2010/main" val="3094914870"/>
+      </p:ext>
+    </p:extLst>
+  </p:cSld>
+  <p:clrMapOvr>
+    <a:masterClrMapping/>
+  </p:clrMapOvr>
+</p:sld>
+</file>
+
+<file path=ppt/slides/slide18.xml><?xml version="1.0" encoding="utf-8"?>
+<p:sld xmlns:a="http://schemas.openxmlformats.org/drawingml/2006/main" xmlns:r="http://schemas.openxmlformats.org/officeDocument/2006/relationships" xmlns:p="http://schemas.openxmlformats.org/presentationml/2006/main">
+  <p:cSld>
+    <p:spTree>
+      <p:nvGrpSpPr>
+        <p:cNvPr id="1" name=""/>
+        <p:cNvGrpSpPr/>
+        <p:nvPr/>
+      </p:nvGrpSpPr>
+      <p:grpSpPr>
+        <a:xfrm>
+          <a:off x="0" y="0"/>
+          <a:ext cx="0" cy="0"/>
+          <a:chOff x="0" y="0"/>
+          <a:chExt cx="0" cy="0"/>
+        </a:xfrm>
+      </p:grpSpPr>
+      <p:sp>
+        <p:nvSpPr>
+          <p:cNvPr id="2" name="标题 1"/>
+          <p:cNvSpPr>
+            <a:spLocks noGrp="1"/>
+          </p:cNvSpPr>
+          <p:nvPr>
+            <p:ph type="title"/>
+          </p:nvPr>
+        </p:nvSpPr>
+        <p:spPr/>
+        <p:txBody>
+          <a:bodyPr/>
+          <a:lstStyle/>
+          <a:p>
+            <a:r>
+              <a:rPr lang="zh-CN" altLang="en-US" dirty="0"/>
+              <a:t>通路分析</a:t>
+            </a:r>
+          </a:p>
+        </p:txBody>
+      </p:sp>
+      <p:sp>
+        <p:nvSpPr>
+          <p:cNvPr id="5" name="内容占位符 4"/>
+          <p:cNvSpPr>
+            <a:spLocks noGrp="1"/>
+          </p:cNvSpPr>
+          <p:nvPr>
+            <p:ph idx="1"/>
+          </p:nvPr>
+        </p:nvSpPr>
+        <p:spPr/>
+        <p:txBody>
+          <a:bodyPr/>
+          <a:lstStyle/>
+          <a:p>
+            <a:endParaRPr lang="zh-CN" altLang="en-US"/>
+          </a:p>
+        </p:txBody>
+      </p:sp>
+      <p:pic>
+        <p:nvPicPr>
+          <p:cNvPr id="6" name="图片 5"/>
+          <p:cNvPicPr>
+            <a:picLocks noChangeAspect="1"/>
+          </p:cNvPicPr>
+          <p:nvPr/>
+        </p:nvPicPr>
+        <p:blipFill>
+          <a:blip r:embed="rId2"/>
+          <a:stretch>
+            <a:fillRect/>
+          </a:stretch>
+        </p:blipFill>
+        <p:spPr>
+          <a:xfrm>
+            <a:off x="3347085" y="101282"/>
+            <a:ext cx="6934835" cy="6588829"/>
+          </a:xfrm>
+          <a:prstGeom prst="rect">
+            <a:avLst/>
+          </a:prstGeom>
+        </p:spPr>
+      </p:pic>
+    </p:spTree>
+    <p:extLst>
+      <p:ext uri="{BB962C8B-B14F-4D97-AF65-F5344CB8AC3E}">
+        <p14:creationId xmlns:p14="http://schemas.microsoft.com/office/powerpoint/2010/main" val="2923909073"/>
+      </p:ext>
+    </p:extLst>
+  </p:cSld>
+  <p:clrMapOvr>
+    <a:masterClrMapping/>
+  </p:clrMapOvr>
+</p:sld>
+</file>
+
+<file path=ppt/slides/slide19.xml><?xml version="1.0" encoding="utf-8"?>
+<p:sld xmlns:a="http://schemas.openxmlformats.org/drawingml/2006/main" xmlns:r="http://schemas.openxmlformats.org/officeDocument/2006/relationships" xmlns:p="http://schemas.openxmlformats.org/presentationml/2006/main">
+  <p:cSld>
+    <p:spTree>
+      <p:nvGrpSpPr>
+        <p:cNvPr id="1" name=""/>
+        <p:cNvGrpSpPr/>
+        <p:nvPr/>
+      </p:nvGrpSpPr>
+      <p:grpSpPr>
+        <a:xfrm>
+          <a:off x="0" y="0"/>
+          <a:ext cx="0" cy="0"/>
+          <a:chOff x="0" y="0"/>
+          <a:chExt cx="0" cy="0"/>
+        </a:xfrm>
+      </p:grpSpPr>
+      <p:sp>
+        <p:nvSpPr>
+          <p:cNvPr id="2" name="标题 1"/>
+          <p:cNvSpPr>
+            <a:spLocks noGrp="1"/>
+          </p:cNvSpPr>
+          <p:nvPr>
+            <p:ph type="title"/>
+          </p:nvPr>
+        </p:nvSpPr>
+        <p:spPr/>
+        <p:txBody>
+          <a:bodyPr/>
+          <a:lstStyle/>
+          <a:p>
+            <a:r>
+              <a:rPr lang="zh-CN" altLang="en-US" dirty="0" smtClean="0"/>
+              <a:t>富集分析</a:t>
+            </a:r>
+            <a:endParaRPr lang="zh-CN" altLang="en-US" dirty="0"/>
+          </a:p>
+        </p:txBody>
+      </p:sp>
+      <p:sp>
+        <p:nvSpPr>
+          <p:cNvPr id="5" name="内容占位符 4"/>
+          <p:cNvSpPr>
+            <a:spLocks noGrp="1"/>
+          </p:cNvSpPr>
+          <p:nvPr>
+            <p:ph idx="1"/>
+          </p:nvPr>
+        </p:nvSpPr>
+        <p:spPr/>
+        <p:txBody>
+          <a:bodyPr/>
+          <a:lstStyle/>
+          <a:p>
+            <a:endParaRPr lang="zh-CN" altLang="en-US" dirty="0"/>
+          </a:p>
+        </p:txBody>
+      </p:sp>
+      <p:pic>
+        <p:nvPicPr>
+          <p:cNvPr id="6" name="图片 5"/>
+          <p:cNvPicPr>
+            <a:picLocks noChangeAspect="1"/>
+          </p:cNvPicPr>
+          <p:nvPr/>
+        </p:nvPicPr>
+        <p:blipFill>
+          <a:blip r:embed="rId2"/>
+          <a:stretch>
+            <a:fillRect/>
+          </a:stretch>
+        </p:blipFill>
+        <p:spPr>
+          <a:xfrm>
+            <a:off x="677334" y="1391602"/>
+            <a:ext cx="9183688" cy="5203889"/>
+          </a:xfrm>
+          <a:prstGeom prst="rect">
+            <a:avLst/>
+          </a:prstGeom>
+        </p:spPr>
+      </p:pic>
+    </p:spTree>
+    <p:extLst>
+      <p:ext uri="{BB962C8B-B14F-4D97-AF65-F5344CB8AC3E}">
+        <p14:creationId xmlns:p14="http://schemas.microsoft.com/office/powerpoint/2010/main" val="3112578068"/>
+      </p:ext>
+    </p:extLst>
+  </p:cSld>
+  <p:clrMapOvr>
+    <a:masterClrMapping/>
+  </p:clrMapOvr>
+</p:sld>
+</file>
+
 <file path=ppt/slides/slide2.xml><?xml version="1.0" encoding="utf-8"?>
 <p:sld xmlns:a="http://schemas.openxmlformats.org/drawingml/2006/main" xmlns:r="http://schemas.openxmlformats.org/officeDocument/2006/relationships" xmlns:p="http://schemas.openxmlformats.org/presentationml/2006/main">
   <p:cSld>
